--- a/docs/diagrams/UiComponentClassDiagram.pptx
+++ b/docs/diagrams/UiComponentClassDiagram.pptx
@@ -208,7 +208,7 @@
           <a:p>
             <a:fld id="{F5CC4B3F-88C1-4FFA-B1B6-F41C21DC6924}" type="datetimeFigureOut">
               <a:rPr lang="en-US" smtClean="0"/>
-              <a:t>1/7/2017</a:t>
+              <a:t>12/15/2018</a:t>
             </a:fld>
             <a:endParaRPr lang="en-US"/>
           </a:p>
@@ -654,7 +654,7 @@
           <a:p>
             <a:fld id="{78C97017-6FC3-485B-9764-EAC9E56C1D49}" type="datetimeFigureOut">
               <a:rPr lang="en-US" smtClean="0"/>
-              <a:t>1/7/2017</a:t>
+              <a:t>12/15/2018</a:t>
             </a:fld>
             <a:endParaRPr lang="en-US"/>
           </a:p>
@@ -822,7 +822,7 @@
           <a:p>
             <a:fld id="{78C97017-6FC3-485B-9764-EAC9E56C1D49}" type="datetimeFigureOut">
               <a:rPr lang="en-US" smtClean="0"/>
-              <a:t>1/7/2017</a:t>
+              <a:t>12/15/2018</a:t>
             </a:fld>
             <a:endParaRPr lang="en-US"/>
           </a:p>
@@ -1000,7 +1000,7 @@
           <a:p>
             <a:fld id="{78C97017-6FC3-485B-9764-EAC9E56C1D49}" type="datetimeFigureOut">
               <a:rPr lang="en-US" smtClean="0"/>
-              <a:t>1/7/2017</a:t>
+              <a:t>12/15/2018</a:t>
             </a:fld>
             <a:endParaRPr lang="en-US"/>
           </a:p>
@@ -1168,7 +1168,7 @@
           <a:p>
             <a:fld id="{78C97017-6FC3-485B-9764-EAC9E56C1D49}" type="datetimeFigureOut">
               <a:rPr lang="en-US" smtClean="0"/>
-              <a:t>1/7/2017</a:t>
+              <a:t>12/15/2018</a:t>
             </a:fld>
             <a:endParaRPr lang="en-US"/>
           </a:p>
@@ -1413,7 +1413,7 @@
           <a:p>
             <a:fld id="{78C97017-6FC3-485B-9764-EAC9E56C1D49}" type="datetimeFigureOut">
               <a:rPr lang="en-US" smtClean="0"/>
-              <a:t>1/7/2017</a:t>
+              <a:t>12/15/2018</a:t>
             </a:fld>
             <a:endParaRPr lang="en-US"/>
           </a:p>
@@ -1698,7 +1698,7 @@
           <a:p>
             <a:fld id="{78C97017-6FC3-485B-9764-EAC9E56C1D49}" type="datetimeFigureOut">
               <a:rPr lang="en-US" smtClean="0"/>
-              <a:t>1/7/2017</a:t>
+              <a:t>12/15/2018</a:t>
             </a:fld>
             <a:endParaRPr lang="en-US"/>
           </a:p>
@@ -2117,7 +2117,7 @@
           <a:p>
             <a:fld id="{78C97017-6FC3-485B-9764-EAC9E56C1D49}" type="datetimeFigureOut">
               <a:rPr lang="en-US" smtClean="0"/>
-              <a:t>1/7/2017</a:t>
+              <a:t>12/15/2018</a:t>
             </a:fld>
             <a:endParaRPr lang="en-US"/>
           </a:p>
@@ -2234,7 +2234,7 @@
           <a:p>
             <a:fld id="{78C97017-6FC3-485B-9764-EAC9E56C1D49}" type="datetimeFigureOut">
               <a:rPr lang="en-US" smtClean="0"/>
-              <a:t>1/7/2017</a:t>
+              <a:t>12/15/2018</a:t>
             </a:fld>
             <a:endParaRPr lang="en-US"/>
           </a:p>
@@ -2329,7 +2329,7 @@
           <a:p>
             <a:fld id="{78C97017-6FC3-485B-9764-EAC9E56C1D49}" type="datetimeFigureOut">
               <a:rPr lang="en-US" smtClean="0"/>
-              <a:t>1/7/2017</a:t>
+              <a:t>12/15/2018</a:t>
             </a:fld>
             <a:endParaRPr lang="en-US"/>
           </a:p>
@@ -2604,7 +2604,7 @@
           <a:p>
             <a:fld id="{78C97017-6FC3-485B-9764-EAC9E56C1D49}" type="datetimeFigureOut">
               <a:rPr lang="en-US" smtClean="0"/>
-              <a:t>1/7/2017</a:t>
+              <a:t>12/15/2018</a:t>
             </a:fld>
             <a:endParaRPr lang="en-US"/>
           </a:p>
@@ -2856,7 +2856,7 @@
           <a:p>
             <a:fld id="{78C97017-6FC3-485B-9764-EAC9E56C1D49}" type="datetimeFigureOut">
               <a:rPr lang="en-US" smtClean="0"/>
-              <a:t>1/7/2017</a:t>
+              <a:t>12/15/2018</a:t>
             </a:fld>
             <a:endParaRPr lang="en-US"/>
           </a:p>
@@ -3067,7 +3067,7 @@
           <a:p>
             <a:fld id="{78C97017-6FC3-485B-9764-EAC9E56C1D49}" type="datetimeFigureOut">
               <a:rPr lang="en-US" smtClean="0"/>
-              <a:t>1/7/2017</a:t>
+              <a:t>12/15/2018</a:t>
             </a:fld>
             <a:endParaRPr lang="en-US"/>
           </a:p>
@@ -5247,7 +5247,7 @@
         </p:nvSpPr>
         <p:spPr>
           <a:xfrm>
-            <a:off x="5435896" y="2743200"/>
+            <a:off x="5422048" y="2339335"/>
             <a:ext cx="229325" cy="166560"/>
           </a:xfrm>
           <a:prstGeom prst="rect">
@@ -5300,8 +5300,8 @@
         </p:nvSpPr>
         <p:spPr>
           <a:xfrm>
-            <a:off x="3687515" y="2828802"/>
-            <a:ext cx="3048000" cy="203200"/>
+            <a:off x="3186477" y="2405681"/>
+            <a:ext cx="3537529" cy="45719"/>
           </a:xfrm>
           <a:custGeom>
             <a:avLst/>
